--- a/SyrialTel.pptx
+++ b/SyrialTel.pptx
@@ -2,7 +2,7 @@
 <file path=ppt/presentation.xml><?xml version="1.0" encoding="utf-8"?>
 <p:presentation xmlns:a="http://schemas.openxmlformats.org/drawingml/2006/main" xmlns:r="http://schemas.openxmlformats.org/officeDocument/2006/relationships" xmlns:p="http://schemas.openxmlformats.org/presentationml/2006/main" saveSubsetFonts="1" autoCompressPictures="0">
   <p:sldMasterIdLst>
-    <p:sldMasterId id="2147484478" r:id="rId1"/>
+    <p:sldMasterId id="2147484610" r:id="rId1"/>
   </p:sldMasterIdLst>
   <p:sldIdLst>
     <p:sldId id="256" r:id="rId2"/>
@@ -12,7 +12,12 @@
     <p:sldId id="260" r:id="rId6"/>
     <p:sldId id="263" r:id="rId7"/>
     <p:sldId id="261" r:id="rId8"/>
-    <p:sldId id="262" r:id="rId9"/>
+    <p:sldId id="264" r:id="rId9"/>
+    <p:sldId id="265" r:id="rId10"/>
+    <p:sldId id="266" r:id="rId11"/>
+    <p:sldId id="267" r:id="rId12"/>
+    <p:sldId id="268" r:id="rId13"/>
+    <p:sldId id="262" r:id="rId14"/>
   </p:sldIdLst>
   <p:sldSz cx="12192000" cy="6858000"/>
   <p:notesSz cx="6858000" cy="9144000"/>
@@ -354,7 +359,7 @@
     </p:spTree>
     <p:extLst>
       <p:ext uri="{BB962C8B-B14F-4D97-AF65-F5344CB8AC3E}">
-        <p14:creationId xmlns:p14="http://schemas.microsoft.com/office/powerpoint/2010/main" val="1999688797"/>
+        <p14:creationId xmlns:p14="http://schemas.microsoft.com/office/powerpoint/2010/main" val="4013131747"/>
       </p:ext>
     </p:extLst>
   </p:cSld>
@@ -564,7 +569,7 @@
     </p:spTree>
     <p:extLst>
       <p:ext uri="{BB962C8B-B14F-4D97-AF65-F5344CB8AC3E}">
-        <p14:creationId xmlns:p14="http://schemas.microsoft.com/office/powerpoint/2010/main" val="1728836030"/>
+        <p14:creationId xmlns:p14="http://schemas.microsoft.com/office/powerpoint/2010/main" val="3735357705"/>
       </p:ext>
     </p:extLst>
   </p:cSld>
@@ -788,7 +793,7 @@
     </p:spTree>
     <p:extLst>
       <p:ext uri="{BB962C8B-B14F-4D97-AF65-F5344CB8AC3E}">
-        <p14:creationId xmlns:p14="http://schemas.microsoft.com/office/powerpoint/2010/main" val="1457850030"/>
+        <p14:creationId xmlns:p14="http://schemas.microsoft.com/office/powerpoint/2010/main" val="3577445869"/>
       </p:ext>
     </p:extLst>
   </p:cSld>
@@ -1006,7 +1011,7 @@
     </p:spTree>
     <p:extLst>
       <p:ext uri="{BB962C8B-B14F-4D97-AF65-F5344CB8AC3E}">
-        <p14:creationId xmlns:p14="http://schemas.microsoft.com/office/powerpoint/2010/main" val="1524403520"/>
+        <p14:creationId xmlns:p14="http://schemas.microsoft.com/office/powerpoint/2010/main" val="100015305"/>
       </p:ext>
     </p:extLst>
   </p:cSld>
@@ -1294,7 +1299,7 @@
     </p:spTree>
     <p:extLst>
       <p:ext uri="{BB962C8B-B14F-4D97-AF65-F5344CB8AC3E}">
-        <p14:creationId xmlns:p14="http://schemas.microsoft.com/office/powerpoint/2010/main" val="3028266864"/>
+        <p14:creationId xmlns:p14="http://schemas.microsoft.com/office/powerpoint/2010/main" val="2864755295"/>
       </p:ext>
     </p:extLst>
   </p:cSld>
@@ -1571,7 +1576,7 @@
     </p:spTree>
     <p:extLst>
       <p:ext uri="{BB962C8B-B14F-4D97-AF65-F5344CB8AC3E}">
-        <p14:creationId xmlns:p14="http://schemas.microsoft.com/office/powerpoint/2010/main" val="1487687098"/>
+        <p14:creationId xmlns:p14="http://schemas.microsoft.com/office/powerpoint/2010/main" val="161464017"/>
       </p:ext>
     </p:extLst>
   </p:cSld>
@@ -1996,7 +2001,7 @@
     </p:spTree>
     <p:extLst>
       <p:ext uri="{BB962C8B-B14F-4D97-AF65-F5344CB8AC3E}">
-        <p14:creationId xmlns:p14="http://schemas.microsoft.com/office/powerpoint/2010/main" val="2931640494"/>
+        <p14:creationId xmlns:p14="http://schemas.microsoft.com/office/powerpoint/2010/main" val="3758677274"/>
       </p:ext>
     </p:extLst>
   </p:cSld>
@@ -2154,7 +2159,7 @@
     </p:spTree>
     <p:extLst>
       <p:ext uri="{BB962C8B-B14F-4D97-AF65-F5344CB8AC3E}">
-        <p14:creationId xmlns:p14="http://schemas.microsoft.com/office/powerpoint/2010/main" val="2983340377"/>
+        <p14:creationId xmlns:p14="http://schemas.microsoft.com/office/powerpoint/2010/main" val="3482411558"/>
       </p:ext>
     </p:extLst>
   </p:cSld>
@@ -2249,7 +2254,7 @@
     </p:spTree>
     <p:extLst>
       <p:ext uri="{BB962C8B-B14F-4D97-AF65-F5344CB8AC3E}">
-        <p14:creationId xmlns:p14="http://schemas.microsoft.com/office/powerpoint/2010/main" val="3899230244"/>
+        <p14:creationId xmlns:p14="http://schemas.microsoft.com/office/powerpoint/2010/main" val="2655780923"/>
       </p:ext>
     </p:extLst>
   </p:cSld>
@@ -2540,7 +2545,7 @@
     </p:spTree>
     <p:extLst>
       <p:ext uri="{BB962C8B-B14F-4D97-AF65-F5344CB8AC3E}">
-        <p14:creationId xmlns:p14="http://schemas.microsoft.com/office/powerpoint/2010/main" val="3394309578"/>
+        <p14:creationId xmlns:p14="http://schemas.microsoft.com/office/powerpoint/2010/main" val="3857976358"/>
       </p:ext>
     </p:extLst>
   </p:cSld>
@@ -3010,7 +3015,7 @@
     </p:spTree>
     <p:extLst>
       <p:ext uri="{BB962C8B-B14F-4D97-AF65-F5344CB8AC3E}">
-        <p14:creationId xmlns:p14="http://schemas.microsoft.com/office/powerpoint/2010/main" val="3574673373"/>
+        <p14:creationId xmlns:p14="http://schemas.microsoft.com/office/powerpoint/2010/main" val="3970749983"/>
       </p:ext>
     </p:extLst>
   </p:cSld>
@@ -3376,23 +3381,23 @@
     </p:spTree>
     <p:extLst>
       <p:ext uri="{BB962C8B-B14F-4D97-AF65-F5344CB8AC3E}">
-        <p14:creationId xmlns:p14="http://schemas.microsoft.com/office/powerpoint/2010/main" val="2078717802"/>
+        <p14:creationId xmlns:p14="http://schemas.microsoft.com/office/powerpoint/2010/main" val="1308463504"/>
       </p:ext>
     </p:extLst>
   </p:cSld>
   <p:clrMap bg1="lt1" tx1="dk1" bg2="lt2" tx2="dk2" accent1="accent1" accent2="accent2" accent3="accent3" accent4="accent4" accent5="accent5" accent6="accent6" hlink="hlink" folHlink="folHlink"/>
   <p:sldLayoutIdLst>
-    <p:sldLayoutId id="2147484479" r:id="rId1"/>
-    <p:sldLayoutId id="2147484480" r:id="rId2"/>
-    <p:sldLayoutId id="2147484481" r:id="rId3"/>
-    <p:sldLayoutId id="2147484482" r:id="rId4"/>
-    <p:sldLayoutId id="2147484483" r:id="rId5"/>
-    <p:sldLayoutId id="2147484484" r:id="rId6"/>
-    <p:sldLayoutId id="2147484485" r:id="rId7"/>
-    <p:sldLayoutId id="2147484486" r:id="rId8"/>
-    <p:sldLayoutId id="2147484487" r:id="rId9"/>
-    <p:sldLayoutId id="2147484488" r:id="rId10"/>
-    <p:sldLayoutId id="2147484489" r:id="rId11"/>
+    <p:sldLayoutId id="2147484611" r:id="rId1"/>
+    <p:sldLayoutId id="2147484612" r:id="rId2"/>
+    <p:sldLayoutId id="2147484613" r:id="rId3"/>
+    <p:sldLayoutId id="2147484614" r:id="rId4"/>
+    <p:sldLayoutId id="2147484615" r:id="rId5"/>
+    <p:sldLayoutId id="2147484616" r:id="rId6"/>
+    <p:sldLayoutId id="2147484617" r:id="rId7"/>
+    <p:sldLayoutId id="2147484618" r:id="rId8"/>
+    <p:sldLayoutId id="2147484619" r:id="rId9"/>
+    <p:sldLayoutId id="2147484620" r:id="rId10"/>
+    <p:sldLayoutId id="2147484621" r:id="rId11"/>
   </p:sldLayoutIdLst>
   <p:txStyles>
     <p:titleStyle>
@@ -3731,6 +3736,15 @@
 <file path=ppt/slides/slide1.xml><?xml version="1.0" encoding="utf-8"?>
 <p:sld xmlns:a="http://schemas.openxmlformats.org/drawingml/2006/main" xmlns:r="http://schemas.openxmlformats.org/officeDocument/2006/relationships" xmlns:p="http://schemas.openxmlformats.org/presentationml/2006/main">
   <p:cSld>
+    <p:bg>
+      <p:bgPr>
+        <a:blipFill>
+          <a:blip r:embed="rId2"/>
+          <a:tile tx="0" ty="0" sx="100000" sy="100000" flip="none" algn="tl"/>
+        </a:blipFill>
+        <a:effectLst/>
+      </p:bgPr>
+    </p:bg>
     <p:spTree>
       <p:nvGrpSpPr>
         <p:cNvPr id="1" name=""/>
@@ -3763,27 +3777,19 @@
         </p:nvSpPr>
         <p:spPr>
           <a:xfrm>
-            <a:off x="1524000" y="91251"/>
-            <a:ext cx="9144000" cy="2245489"/>
+            <a:off x="1524000" y="1388962"/>
+            <a:ext cx="9144000" cy="947778"/>
           </a:xfrm>
         </p:spPr>
         <p:txBody>
           <a:bodyPr>
-            <a:normAutofit fontScale="90000"/>
+            <a:noAutofit/>
           </a:bodyPr>
           <a:lstStyle/>
           <a:p>
             <a:r>
-              <a:rPr lang="en-KE" sz="8800" dirty="0"/>
-              <a:t>SyrialTel</a:t>
-            </a:r>
-            <a:r>
-              <a:rPr lang="en-KE" dirty="0"/>
-              <a:t> </a:t>
-            </a:r>
-            <a:r>
-              <a:rPr lang="en-KE" sz="8800" dirty="0"/>
-              <a:t>Company</a:t>
+              <a:rPr lang="en-KE" sz="7200" dirty="0"/>
+              <a:t>SyrialTel Company</a:t>
             </a:r>
           </a:p>
         </p:txBody>
@@ -3842,7 +3848,7 @@
           <p:nvPr/>
         </p:nvPicPr>
         <p:blipFill>
-          <a:blip r:embed="rId2"/>
+          <a:blip r:embed="rId3"/>
           <a:stretch>
             <a:fillRect/>
           </a:stretch>
@@ -3870,9 +3876,615 @@
 </p:sld>
 </file>
 
+<file path=ppt/slides/slide10.xml><?xml version="1.0" encoding="utf-8"?>
+<p:sld xmlns:a="http://schemas.openxmlformats.org/drawingml/2006/main" xmlns:r="http://schemas.openxmlformats.org/officeDocument/2006/relationships" xmlns:p="http://schemas.openxmlformats.org/presentationml/2006/main">
+  <p:cSld>
+    <p:bg>
+      <p:bgPr>
+        <a:blipFill>
+          <a:blip r:embed="rId2"/>
+          <a:tile tx="0" ty="0" sx="100000" sy="100000" flip="none" algn="tl"/>
+        </a:blipFill>
+        <a:effectLst/>
+      </p:bgPr>
+    </p:bg>
+    <p:spTree>
+      <p:nvGrpSpPr>
+        <p:cNvPr id="1" name=""/>
+        <p:cNvGrpSpPr/>
+        <p:nvPr/>
+      </p:nvGrpSpPr>
+      <p:grpSpPr>
+        <a:xfrm>
+          <a:off x="0" y="0"/>
+          <a:ext cx="0" cy="0"/>
+          <a:chOff x="0" y="0"/>
+          <a:chExt cx="0" cy="0"/>
+        </a:xfrm>
+      </p:grpSpPr>
+      <p:sp>
+        <p:nvSpPr>
+          <p:cNvPr id="2" name="Title 1">
+            <a:extLst>
+              <a:ext uri="{FF2B5EF4-FFF2-40B4-BE49-F238E27FC236}">
+                <a16:creationId xmlns:a16="http://schemas.microsoft.com/office/drawing/2014/main" id="{070501CC-99CA-5AEE-B606-1C1C1CF60D9C}"/>
+              </a:ext>
+            </a:extLst>
+          </p:cNvPr>
+          <p:cNvSpPr>
+            <a:spLocks noGrp="1"/>
+          </p:cNvSpPr>
+          <p:nvPr>
+            <p:ph type="title"/>
+          </p:nvPr>
+        </p:nvSpPr>
+        <p:spPr>
+          <a:xfrm>
+            <a:off x="1124291" y="952579"/>
+            <a:ext cx="7035861" cy="505832"/>
+          </a:xfrm>
+        </p:spPr>
+        <p:txBody>
+          <a:bodyPr>
+            <a:normAutofit/>
+          </a:bodyPr>
+          <a:lstStyle/>
+          <a:p>
+            <a:r>
+              <a:rPr lang="en-KE" b="1" dirty="0"/>
+              <a:t>Best Random Forest model confusion matrix</a:t>
+            </a:r>
+          </a:p>
+        </p:txBody>
+      </p:sp>
+      <p:pic>
+        <p:nvPicPr>
+          <p:cNvPr id="5" name="Content Placeholder 4">
+            <a:extLst>
+              <a:ext uri="{FF2B5EF4-FFF2-40B4-BE49-F238E27FC236}">
+                <a16:creationId xmlns:a16="http://schemas.microsoft.com/office/drawing/2014/main" id="{B24E4E1C-117F-AE78-F7C6-FB1BE705337B}"/>
+              </a:ext>
+            </a:extLst>
+          </p:cNvPr>
+          <p:cNvPicPr>
+            <a:picLocks noGrp="1" noChangeAspect="1"/>
+          </p:cNvPicPr>
+          <p:nvPr>
+            <p:ph idx="1"/>
+          </p:nvPr>
+        </p:nvPicPr>
+        <p:blipFill>
+          <a:blip r:embed="rId3"/>
+          <a:stretch/>
+        </p:blipFill>
+        <p:spPr>
+          <a:xfrm>
+            <a:off x="1039371" y="1562582"/>
+            <a:ext cx="5486400" cy="4200585"/>
+          </a:xfrm>
+        </p:spPr>
+      </p:pic>
+      <p:sp>
+        <p:nvSpPr>
+          <p:cNvPr id="6" name="Text Placeholder 5">
+            <a:extLst>
+              <a:ext uri="{FF2B5EF4-FFF2-40B4-BE49-F238E27FC236}">
+                <a16:creationId xmlns:a16="http://schemas.microsoft.com/office/drawing/2014/main" id="{3507B9C8-4430-E407-FB84-AEF638157985}"/>
+              </a:ext>
+            </a:extLst>
+          </p:cNvPr>
+          <p:cNvSpPr>
+            <a:spLocks noGrp="1"/>
+          </p:cNvSpPr>
+          <p:nvPr>
+            <p:ph type="body" sz="half" idx="2"/>
+          </p:nvPr>
+        </p:nvSpPr>
+        <p:spPr>
+          <a:xfrm>
+            <a:off x="7261074" y="3584249"/>
+            <a:ext cx="3275013" cy="2178918"/>
+          </a:xfrm>
+        </p:spPr>
+        <p:txBody>
+          <a:bodyPr/>
+          <a:lstStyle/>
+          <a:p>
+            <a:r>
+              <a:rPr lang="en-GB" dirty="0"/>
+              <a:t>True positive : 86</a:t>
+            </a:r>
+          </a:p>
+          <a:p>
+            <a:r>
+              <a:rPr lang="en-GB" dirty="0"/>
+              <a:t>True Negative : 685</a:t>
+            </a:r>
+          </a:p>
+          <a:p>
+            <a:r>
+              <a:rPr lang="en-GB" dirty="0"/>
+              <a:t>False Positive : 28</a:t>
+            </a:r>
+          </a:p>
+          <a:p>
+            <a:r>
+              <a:rPr lang="en-GB" dirty="0"/>
+              <a:t>False Negative : 35</a:t>
+            </a:r>
+            <a:endParaRPr lang="en-KE" dirty="0"/>
+          </a:p>
+        </p:txBody>
+      </p:sp>
+    </p:spTree>
+    <p:extLst>
+      <p:ext uri="{BB962C8B-B14F-4D97-AF65-F5344CB8AC3E}">
+        <p14:creationId xmlns:p14="http://schemas.microsoft.com/office/powerpoint/2010/main" val="924092694"/>
+      </p:ext>
+    </p:extLst>
+  </p:cSld>
+  <p:clrMapOvr>
+    <a:masterClrMapping/>
+  </p:clrMapOvr>
+</p:sld>
+</file>
+
+<file path=ppt/slides/slide11.xml><?xml version="1.0" encoding="utf-8"?>
+<p:sld xmlns:a="http://schemas.openxmlformats.org/drawingml/2006/main" xmlns:r="http://schemas.openxmlformats.org/officeDocument/2006/relationships" xmlns:p="http://schemas.openxmlformats.org/presentationml/2006/main">
+  <p:cSld>
+    <p:bg>
+      <p:bgPr>
+        <a:blipFill>
+          <a:blip r:embed="rId2"/>
+          <a:tile tx="0" ty="0" sx="100000" sy="100000" flip="none" algn="tl"/>
+        </a:blipFill>
+        <a:effectLst/>
+      </p:bgPr>
+    </p:bg>
+    <p:spTree>
+      <p:nvGrpSpPr>
+        <p:cNvPr id="1" name=""/>
+        <p:cNvGrpSpPr/>
+        <p:nvPr/>
+      </p:nvGrpSpPr>
+      <p:grpSpPr>
+        <a:xfrm>
+          <a:off x="0" y="0"/>
+          <a:ext cx="0" cy="0"/>
+          <a:chOff x="0" y="0"/>
+          <a:chExt cx="0" cy="0"/>
+        </a:xfrm>
+      </p:grpSpPr>
+      <p:sp>
+        <p:nvSpPr>
+          <p:cNvPr id="2" name="Title 1">
+            <a:extLst>
+              <a:ext uri="{FF2B5EF4-FFF2-40B4-BE49-F238E27FC236}">
+                <a16:creationId xmlns:a16="http://schemas.microsoft.com/office/drawing/2014/main" id="{4124D3BA-A9AC-EFEA-8DE3-36A1FDE11D78}"/>
+              </a:ext>
+            </a:extLst>
+          </p:cNvPr>
+          <p:cNvSpPr>
+            <a:spLocks noGrp="1"/>
+          </p:cNvSpPr>
+          <p:nvPr>
+            <p:ph type="title"/>
+          </p:nvPr>
+        </p:nvSpPr>
+        <p:spPr>
+          <a:xfrm>
+            <a:off x="1124291" y="952579"/>
+            <a:ext cx="6445552" cy="482682"/>
+          </a:xfrm>
+        </p:spPr>
+        <p:txBody>
+          <a:bodyPr>
+            <a:normAutofit/>
+          </a:bodyPr>
+          <a:lstStyle/>
+          <a:p>
+            <a:r>
+              <a:rPr lang="en-KE" b="1" dirty="0"/>
+              <a:t>Gradient Boosting model confusion matrix</a:t>
+            </a:r>
+          </a:p>
+        </p:txBody>
+      </p:sp>
+      <p:pic>
+        <p:nvPicPr>
+          <p:cNvPr id="5" name="Content Placeholder 4">
+            <a:extLst>
+              <a:ext uri="{FF2B5EF4-FFF2-40B4-BE49-F238E27FC236}">
+                <a16:creationId xmlns:a16="http://schemas.microsoft.com/office/drawing/2014/main" id="{4DC7D3F3-9A27-9EB4-2B66-1D919C9F30F5}"/>
+              </a:ext>
+            </a:extLst>
+          </p:cNvPr>
+          <p:cNvPicPr>
+            <a:picLocks noGrp="1" noChangeAspect="1"/>
+          </p:cNvPicPr>
+          <p:nvPr>
+            <p:ph idx="1"/>
+          </p:nvPr>
+        </p:nvPicPr>
+        <p:blipFill>
+          <a:blip r:embed="rId3"/>
+          <a:stretch/>
+        </p:blipFill>
+        <p:spPr>
+          <a:xfrm>
+            <a:off x="1365813" y="1435261"/>
+            <a:ext cx="5614494" cy="4172657"/>
+          </a:xfrm>
+        </p:spPr>
+      </p:pic>
+      <p:sp>
+        <p:nvSpPr>
+          <p:cNvPr id="6" name="Text Placeholder 5">
+            <a:extLst>
+              <a:ext uri="{FF2B5EF4-FFF2-40B4-BE49-F238E27FC236}">
+                <a16:creationId xmlns:a16="http://schemas.microsoft.com/office/drawing/2014/main" id="{06CE15BC-AB12-E083-0153-76B531EBD797}"/>
+              </a:ext>
+            </a:extLst>
+          </p:cNvPr>
+          <p:cNvSpPr>
+            <a:spLocks noGrp="1"/>
+          </p:cNvSpPr>
+          <p:nvPr>
+            <p:ph type="body" sz="half" idx="2"/>
+          </p:nvPr>
+        </p:nvSpPr>
+        <p:spPr>
+          <a:xfrm>
+            <a:off x="7755038" y="3521589"/>
+            <a:ext cx="3275013" cy="1883780"/>
+          </a:xfrm>
+        </p:spPr>
+        <p:txBody>
+          <a:bodyPr/>
+          <a:lstStyle/>
+          <a:p>
+            <a:r>
+              <a:rPr lang="en-GB" dirty="0"/>
+              <a:t>True positive : 88</a:t>
+            </a:r>
+          </a:p>
+          <a:p>
+            <a:r>
+              <a:rPr lang="en-GB" dirty="0"/>
+              <a:t>True Negative : 683</a:t>
+            </a:r>
+          </a:p>
+          <a:p>
+            <a:r>
+              <a:rPr lang="en-GB" dirty="0"/>
+              <a:t>False Positive : 30</a:t>
+            </a:r>
+          </a:p>
+          <a:p>
+            <a:r>
+              <a:rPr lang="en-GB" dirty="0"/>
+              <a:t>False Negative : 33</a:t>
+            </a:r>
+            <a:endParaRPr lang="en-KE" dirty="0"/>
+          </a:p>
+        </p:txBody>
+      </p:sp>
+    </p:spTree>
+    <p:extLst>
+      <p:ext uri="{BB962C8B-B14F-4D97-AF65-F5344CB8AC3E}">
+        <p14:creationId xmlns:p14="http://schemas.microsoft.com/office/powerpoint/2010/main" val="3571488889"/>
+      </p:ext>
+    </p:extLst>
+  </p:cSld>
+  <p:clrMapOvr>
+    <a:masterClrMapping/>
+  </p:clrMapOvr>
+</p:sld>
+</file>
+
+<file path=ppt/slides/slide12.xml><?xml version="1.0" encoding="utf-8"?>
+<p:sld xmlns:a="http://schemas.openxmlformats.org/drawingml/2006/main" xmlns:r="http://schemas.openxmlformats.org/officeDocument/2006/relationships" xmlns:p="http://schemas.openxmlformats.org/presentationml/2006/main">
+  <p:cSld>
+    <p:bg>
+      <p:bgPr>
+        <a:blipFill>
+          <a:blip r:embed="rId2"/>
+          <a:tile tx="0" ty="0" sx="100000" sy="100000" flip="none" algn="tl"/>
+        </a:blipFill>
+        <a:effectLst/>
+      </p:bgPr>
+    </p:bg>
+    <p:spTree>
+      <p:nvGrpSpPr>
+        <p:cNvPr id="1" name=""/>
+        <p:cNvGrpSpPr/>
+        <p:nvPr/>
+      </p:nvGrpSpPr>
+      <p:grpSpPr>
+        <a:xfrm>
+          <a:off x="0" y="0"/>
+          <a:ext cx="0" cy="0"/>
+          <a:chOff x="0" y="0"/>
+          <a:chExt cx="0" cy="0"/>
+        </a:xfrm>
+      </p:grpSpPr>
+      <p:sp>
+        <p:nvSpPr>
+          <p:cNvPr id="2" name="Title 1">
+            <a:extLst>
+              <a:ext uri="{FF2B5EF4-FFF2-40B4-BE49-F238E27FC236}">
+                <a16:creationId xmlns:a16="http://schemas.microsoft.com/office/drawing/2014/main" id="{F9C1FC05-A724-A236-8157-AA5F0DD4D1AD}"/>
+              </a:ext>
+            </a:extLst>
+          </p:cNvPr>
+          <p:cNvSpPr>
+            <a:spLocks noGrp="1"/>
+          </p:cNvSpPr>
+          <p:nvPr>
+            <p:ph type="title"/>
+          </p:nvPr>
+        </p:nvSpPr>
+        <p:spPr>
+          <a:xfrm>
+            <a:off x="1135866" y="931778"/>
+            <a:ext cx="5959415" cy="491908"/>
+          </a:xfrm>
+        </p:spPr>
+        <p:txBody>
+          <a:bodyPr>
+            <a:normAutofit/>
+          </a:bodyPr>
+          <a:lstStyle/>
+          <a:p>
+            <a:r>
+              <a:rPr lang="en-KE" b="1" dirty="0"/>
+              <a:t>Stacking Model confusion matrix</a:t>
+            </a:r>
+          </a:p>
+        </p:txBody>
+      </p:sp>
+      <p:pic>
+        <p:nvPicPr>
+          <p:cNvPr id="5" name="Content Placeholder 4">
+            <a:extLst>
+              <a:ext uri="{FF2B5EF4-FFF2-40B4-BE49-F238E27FC236}">
+                <a16:creationId xmlns:a16="http://schemas.microsoft.com/office/drawing/2014/main" id="{BE06474D-525D-9462-1122-5E9500390A46}"/>
+              </a:ext>
+            </a:extLst>
+          </p:cNvPr>
+          <p:cNvPicPr>
+            <a:picLocks noGrp="1" noChangeAspect="1"/>
+          </p:cNvPicPr>
+          <p:nvPr>
+            <p:ph idx="1"/>
+          </p:nvPr>
+        </p:nvPicPr>
+        <p:blipFill>
+          <a:blip r:embed="rId3"/>
+          <a:stretch/>
+        </p:blipFill>
+        <p:spPr>
+          <a:xfrm>
+            <a:off x="993071" y="1539433"/>
+            <a:ext cx="5486400" cy="4068485"/>
+          </a:xfrm>
+        </p:spPr>
+      </p:pic>
+      <p:sp>
+        <p:nvSpPr>
+          <p:cNvPr id="6" name="Text Placeholder 5">
+            <a:extLst>
+              <a:ext uri="{FF2B5EF4-FFF2-40B4-BE49-F238E27FC236}">
+                <a16:creationId xmlns:a16="http://schemas.microsoft.com/office/drawing/2014/main" id="{ECC6B4DB-1B3A-40F0-1194-A63E1B83535C}"/>
+              </a:ext>
+            </a:extLst>
+          </p:cNvPr>
+          <p:cNvSpPr>
+            <a:spLocks noGrp="1"/>
+          </p:cNvSpPr>
+          <p:nvPr>
+            <p:ph type="body" sz="half" idx="2"/>
+          </p:nvPr>
+        </p:nvSpPr>
+        <p:spPr>
+          <a:xfrm>
+            <a:off x="6899245" y="3877519"/>
+            <a:ext cx="3275013" cy="1730399"/>
+          </a:xfrm>
+        </p:spPr>
+        <p:txBody>
+          <a:bodyPr>
+            <a:normAutofit/>
+          </a:bodyPr>
+          <a:lstStyle/>
+          <a:p>
+            <a:r>
+              <a:rPr lang="en-GB" dirty="0"/>
+              <a:t>True positive : 86</a:t>
+            </a:r>
+          </a:p>
+          <a:p>
+            <a:r>
+              <a:rPr lang="en-GB" dirty="0"/>
+              <a:t>True Negative : 682</a:t>
+            </a:r>
+          </a:p>
+          <a:p>
+            <a:r>
+              <a:rPr lang="en-GB" dirty="0"/>
+              <a:t>False Positive : 31</a:t>
+            </a:r>
+          </a:p>
+          <a:p>
+            <a:r>
+              <a:rPr lang="en-GB" dirty="0"/>
+              <a:t>False Negative : 35</a:t>
+            </a:r>
+            <a:endParaRPr lang="en-KE" dirty="0"/>
+          </a:p>
+        </p:txBody>
+      </p:sp>
+    </p:spTree>
+    <p:extLst>
+      <p:ext uri="{BB962C8B-B14F-4D97-AF65-F5344CB8AC3E}">
+        <p14:creationId xmlns:p14="http://schemas.microsoft.com/office/powerpoint/2010/main" val="3742881501"/>
+      </p:ext>
+    </p:extLst>
+  </p:cSld>
+  <p:clrMapOvr>
+    <a:masterClrMapping/>
+  </p:clrMapOvr>
+</p:sld>
+</file>
+
+<file path=ppt/slides/slide13.xml><?xml version="1.0" encoding="utf-8"?>
+<p:sld xmlns:a="http://schemas.openxmlformats.org/drawingml/2006/main" xmlns:r="http://schemas.openxmlformats.org/officeDocument/2006/relationships" xmlns:p="http://schemas.openxmlformats.org/presentationml/2006/main">
+  <p:cSld>
+    <p:bg>
+      <p:bgPr>
+        <a:blipFill>
+          <a:blip r:embed="rId2"/>
+          <a:tile tx="0" ty="0" sx="100000" sy="100000" flip="none" algn="tl"/>
+        </a:blipFill>
+        <a:effectLst/>
+      </p:bgPr>
+    </p:bg>
+    <p:spTree>
+      <p:nvGrpSpPr>
+        <p:cNvPr id="1" name=""/>
+        <p:cNvGrpSpPr/>
+        <p:nvPr/>
+      </p:nvGrpSpPr>
+      <p:grpSpPr>
+        <a:xfrm>
+          <a:off x="0" y="0"/>
+          <a:ext cx="0" cy="0"/>
+          <a:chOff x="0" y="0"/>
+          <a:chExt cx="0" cy="0"/>
+        </a:xfrm>
+      </p:grpSpPr>
+      <p:sp>
+        <p:nvSpPr>
+          <p:cNvPr id="2" name="Title 1">
+            <a:extLst>
+              <a:ext uri="{FF2B5EF4-FFF2-40B4-BE49-F238E27FC236}">
+                <a16:creationId xmlns:a16="http://schemas.microsoft.com/office/drawing/2014/main" id="{30DE46FE-5CD6-55CA-9726-058D41B1ED45}"/>
+              </a:ext>
+            </a:extLst>
+          </p:cNvPr>
+          <p:cNvSpPr>
+            <a:spLocks noGrp="1"/>
+          </p:cNvSpPr>
+          <p:nvPr>
+            <p:ph type="title"/>
+          </p:nvPr>
+        </p:nvSpPr>
+        <p:spPr/>
+        <p:txBody>
+          <a:bodyPr/>
+          <a:lstStyle/>
+          <a:p>
+            <a:r>
+              <a:rPr lang="en-KE" b="1" dirty="0"/>
+              <a:t>Conclusion </a:t>
+            </a:r>
+          </a:p>
+        </p:txBody>
+      </p:sp>
+      <p:sp>
+        <p:nvSpPr>
+          <p:cNvPr id="3" name="Content Placeholder 2">
+            <a:extLst>
+              <a:ext uri="{FF2B5EF4-FFF2-40B4-BE49-F238E27FC236}">
+                <a16:creationId xmlns:a16="http://schemas.microsoft.com/office/drawing/2014/main" id="{374F753A-3DE0-A2C1-272B-A59500782900}"/>
+              </a:ext>
+            </a:extLst>
+          </p:cNvPr>
+          <p:cNvSpPr>
+            <a:spLocks noGrp="1"/>
+          </p:cNvSpPr>
+          <p:nvPr>
+            <p:ph idx="1"/>
+          </p:nvPr>
+        </p:nvSpPr>
+        <p:spPr>
+          <a:xfrm>
+            <a:off x="1130270" y="1516284"/>
+            <a:ext cx="9603275" cy="3950061"/>
+          </a:xfrm>
+        </p:spPr>
+        <p:txBody>
+          <a:bodyPr>
+            <a:noAutofit/>
+          </a:bodyPr>
+          <a:lstStyle/>
+          <a:p>
+            <a:r>
+              <a:rPr lang="en-GB" dirty="0"/>
+              <a:t>The final model picked was the Random forest model 1 which had the highest metrics of :</a:t>
+            </a:r>
+          </a:p>
+          <a:p>
+            <a:pPr lvl="1"/>
+            <a:r>
+              <a:rPr lang="en-GB" dirty="0"/>
+              <a:t>Classification Accuracy : 93%</a:t>
+            </a:r>
+          </a:p>
+          <a:p>
+            <a:pPr lvl="1"/>
+            <a:r>
+              <a:rPr lang="en-GB" dirty="0"/>
+              <a:t>Classification recall : 73%</a:t>
+            </a:r>
+          </a:p>
+          <a:p>
+            <a:pPr lvl="1"/>
+            <a:r>
+              <a:rPr lang="en-GB" dirty="0"/>
+              <a:t>Classification F1 score : 74%</a:t>
+            </a:r>
+          </a:p>
+          <a:p>
+            <a:pPr lvl="1"/>
+            <a:r>
+              <a:rPr lang="en-GB" dirty="0"/>
+              <a:t>Classification precision : 75%</a:t>
+            </a:r>
+          </a:p>
+          <a:p>
+            <a:r>
+              <a:rPr lang="en-GB" dirty="0"/>
+              <a:t>This model had a very high classification accuracy of 93% and also it had a balance in the other evaluating metrics above 70% for recall , F1 score and precision</a:t>
+            </a:r>
+          </a:p>
+        </p:txBody>
+      </p:sp>
+    </p:spTree>
+    <p:extLst>
+      <p:ext uri="{BB962C8B-B14F-4D97-AF65-F5344CB8AC3E}">
+        <p14:creationId xmlns:p14="http://schemas.microsoft.com/office/powerpoint/2010/main" val="2127381696"/>
+      </p:ext>
+    </p:extLst>
+  </p:cSld>
+  <p:clrMapOvr>
+    <a:masterClrMapping/>
+  </p:clrMapOvr>
+</p:sld>
+</file>
+
 <file path=ppt/slides/slide2.xml><?xml version="1.0" encoding="utf-8"?>
 <p:sld xmlns:a="http://schemas.openxmlformats.org/drawingml/2006/main" xmlns:r="http://schemas.openxmlformats.org/officeDocument/2006/relationships" xmlns:p="http://schemas.openxmlformats.org/presentationml/2006/main">
   <p:cSld>
+    <p:bg>
+      <p:bgPr>
+        <a:blipFill>
+          <a:blip r:embed="rId2"/>
+          <a:tile tx="0" ty="0" sx="100000" sy="100000" flip="none" algn="tl"/>
+        </a:blipFill>
+        <a:effectLst/>
+      </p:bgPr>
+    </p:bg>
     <p:spTree>
       <p:nvGrpSpPr>
         <p:cNvPr id="1" name=""/>
@@ -3960,6 +4572,15 @@
 <file path=ppt/slides/slide3.xml><?xml version="1.0" encoding="utf-8"?>
 <p:sld xmlns:a="http://schemas.openxmlformats.org/drawingml/2006/main" xmlns:r="http://schemas.openxmlformats.org/officeDocument/2006/relationships" xmlns:p="http://schemas.openxmlformats.org/presentationml/2006/main">
   <p:cSld>
+    <p:bg>
+      <p:bgPr>
+        <a:blipFill>
+          <a:blip r:embed="rId2"/>
+          <a:tile tx="0" ty="0" sx="100000" sy="100000" flip="none" algn="tl"/>
+        </a:blipFill>
+        <a:effectLst/>
+      </p:bgPr>
+    </p:bg>
     <p:spTree>
       <p:nvGrpSpPr>
         <p:cNvPr id="1" name=""/>
@@ -4048,6 +4669,15 @@
 <file path=ppt/slides/slide4.xml><?xml version="1.0" encoding="utf-8"?>
 <p:sld xmlns:a="http://schemas.openxmlformats.org/drawingml/2006/main" xmlns:r="http://schemas.openxmlformats.org/officeDocument/2006/relationships" xmlns:p="http://schemas.openxmlformats.org/presentationml/2006/main">
   <p:cSld>
+    <p:bg>
+      <p:bgPr>
+        <a:blipFill>
+          <a:blip r:embed="rId2"/>
+          <a:tile tx="0" ty="0" sx="100000" sy="100000" flip="none" algn="tl"/>
+        </a:blipFill>
+        <a:effectLst/>
+      </p:bgPr>
+    </p:bg>
     <p:spTree>
       <p:nvGrpSpPr>
         <p:cNvPr id="1" name=""/>
@@ -4148,6 +4778,15 @@
 <file path=ppt/slides/slide5.xml><?xml version="1.0" encoding="utf-8"?>
 <p:sld xmlns:a="http://schemas.openxmlformats.org/drawingml/2006/main" xmlns:r="http://schemas.openxmlformats.org/officeDocument/2006/relationships" xmlns:p="http://schemas.openxmlformats.org/presentationml/2006/main">
   <p:cSld>
+    <p:bg>
+      <p:bgPr>
+        <a:blipFill>
+          <a:blip r:embed="rId2"/>
+          <a:tile tx="0" ty="0" sx="100000" sy="100000" flip="none" algn="tl"/>
+        </a:blipFill>
+        <a:effectLst/>
+      </p:bgPr>
+    </p:bg>
     <p:spTree>
       <p:nvGrpSpPr>
         <p:cNvPr id="1" name=""/>
@@ -4242,6 +4881,15 @@
 <file path=ppt/slides/slide6.xml><?xml version="1.0" encoding="utf-8"?>
 <p:sld xmlns:a="http://schemas.openxmlformats.org/drawingml/2006/main" xmlns:r="http://schemas.openxmlformats.org/officeDocument/2006/relationships" xmlns:p="http://schemas.openxmlformats.org/presentationml/2006/main">
   <p:cSld>
+    <p:bg>
+      <p:bgPr>
+        <a:blipFill>
+          <a:blip r:embed="rId2"/>
+          <a:tile tx="0" ty="0" sx="100000" sy="100000" flip="none" algn="tl"/>
+        </a:blipFill>
+        <a:effectLst/>
+      </p:bgPr>
+    </p:bg>
     <p:spTree>
       <p:nvGrpSpPr>
         <p:cNvPr id="1" name=""/>
@@ -4364,6 +5012,15 @@
 <file path=ppt/slides/slide7.xml><?xml version="1.0" encoding="utf-8"?>
 <p:sld xmlns:a="http://schemas.openxmlformats.org/drawingml/2006/main" xmlns:r="http://schemas.openxmlformats.org/officeDocument/2006/relationships" xmlns:p="http://schemas.openxmlformats.org/presentationml/2006/main">
   <p:cSld>
+    <p:bg>
+      <p:bgPr>
+        <a:blipFill>
+          <a:blip r:embed="rId2"/>
+          <a:tile tx="0" ty="0" sx="100000" sy="100000" flip="none" algn="tl"/>
+        </a:blipFill>
+        <a:effectLst/>
+      </p:bgPr>
+    </p:bg>
     <p:spTree>
       <p:nvGrpSpPr>
         <p:cNvPr id="1" name=""/>
@@ -4423,7 +5080,7 @@
           </p:nvPr>
         </p:nvPicPr>
         <p:blipFill>
-          <a:blip r:embed="rId2"/>
+          <a:blip r:embed="rId3"/>
           <a:stretch>
             <a:fillRect/>
           </a:stretch>
@@ -4451,6 +5108,15 @@
 <file path=ppt/slides/slide8.xml><?xml version="1.0" encoding="utf-8"?>
 <p:sld xmlns:a="http://schemas.openxmlformats.org/drawingml/2006/main" xmlns:r="http://schemas.openxmlformats.org/officeDocument/2006/relationships" xmlns:p="http://schemas.openxmlformats.org/presentationml/2006/main">
   <p:cSld>
+    <p:bg>
+      <p:bgPr>
+        <a:blipFill>
+          <a:blip r:embed="rId2"/>
+          <a:tile tx="0" ty="0" sx="100000" sy="100000" flip="none" algn="tl"/>
+        </a:blipFill>
+        <a:effectLst/>
+      </p:bgPr>
+    </p:bg>
     <p:spTree>
       <p:nvGrpSpPr>
         <p:cNvPr id="1" name=""/>
@@ -4470,7 +5136,7 @@
           <p:cNvPr id="2" name="Title 1">
             <a:extLst>
               <a:ext uri="{FF2B5EF4-FFF2-40B4-BE49-F238E27FC236}">
-                <a16:creationId xmlns:a16="http://schemas.microsoft.com/office/drawing/2014/main" id="{30DE46FE-5CD6-55CA-9726-058D41B1ED45}"/>
+                <a16:creationId xmlns:a16="http://schemas.microsoft.com/office/drawing/2014/main" id="{E011AC3A-4676-4F2B-B4E2-DB2561EFF071}"/>
               </a:ext>
             </a:extLst>
           </p:cNvPr>
@@ -4481,91 +5147,267 @@
             <p:ph type="title"/>
           </p:nvPr>
         </p:nvSpPr>
-        <p:spPr/>
-        <p:txBody>
-          <a:bodyPr/>
+        <p:spPr>
+          <a:xfrm>
+            <a:off x="1124291" y="952578"/>
+            <a:ext cx="5114463" cy="440445"/>
+          </a:xfrm>
+        </p:spPr>
+        <p:txBody>
+          <a:bodyPr>
+            <a:normAutofit fontScale="90000"/>
+          </a:bodyPr>
           <a:lstStyle/>
           <a:p>
             <a:r>
               <a:rPr lang="en-KE" b="1" dirty="0"/>
-              <a:t>Conclusion </a:t>
-            </a:r>
-          </a:p>
-        </p:txBody>
-      </p:sp>
-      <p:sp>
-        <p:nvSpPr>
-          <p:cNvPr id="3" name="Content Placeholder 2">
+              <a:t>Best logistic model confusion matrix</a:t>
+            </a:r>
+          </a:p>
+        </p:txBody>
+      </p:sp>
+      <p:pic>
+        <p:nvPicPr>
+          <p:cNvPr id="9" name="Content Placeholder 8">
             <a:extLst>
               <a:ext uri="{FF2B5EF4-FFF2-40B4-BE49-F238E27FC236}">
-                <a16:creationId xmlns:a16="http://schemas.microsoft.com/office/drawing/2014/main" id="{374F753A-3DE0-A2C1-272B-A59500782900}"/>
+                <a16:creationId xmlns:a16="http://schemas.microsoft.com/office/drawing/2014/main" id="{B6221D7B-D9AF-9B9E-EF63-81842C85B5E9}"/>
               </a:ext>
             </a:extLst>
           </p:cNvPr>
-          <p:cNvSpPr>
-            <a:spLocks noGrp="1"/>
-          </p:cNvSpPr>
+          <p:cNvPicPr>
+            <a:picLocks noGrp="1" noChangeAspect="1"/>
+          </p:cNvPicPr>
           <p:nvPr>
             <p:ph idx="1"/>
           </p:nvPr>
-        </p:nvSpPr>
-        <p:spPr>
-          <a:xfrm>
-            <a:off x="1130270" y="1516284"/>
-            <a:ext cx="9603275" cy="3950061"/>
+        </p:nvPicPr>
+        <p:blipFill>
+          <a:blip r:embed="rId3"/>
+          <a:stretch>
+            <a:fillRect/>
+          </a:stretch>
+        </p:blipFill>
+        <p:spPr>
+          <a:xfrm>
+            <a:off x="1037169" y="1643605"/>
+            <a:ext cx="5745596" cy="4132162"/>
+          </a:xfrm>
+        </p:spPr>
+      </p:pic>
+      <p:sp>
+        <p:nvSpPr>
+          <p:cNvPr id="20" name="Text Placeholder 19">
+            <a:extLst>
+              <a:ext uri="{FF2B5EF4-FFF2-40B4-BE49-F238E27FC236}">
+                <a16:creationId xmlns:a16="http://schemas.microsoft.com/office/drawing/2014/main" id="{47E3284F-4D5C-3E46-18D8-018E0912989D}"/>
+              </a:ext>
+            </a:extLst>
+          </p:cNvPr>
+          <p:cNvSpPr>
+            <a:spLocks noGrp="1"/>
+          </p:cNvSpPr>
+          <p:nvPr>
+            <p:ph type="body" sz="half" idx="2"/>
+          </p:nvPr>
+        </p:nvSpPr>
+        <p:spPr>
+          <a:xfrm>
+            <a:off x="7113876" y="3709686"/>
+            <a:ext cx="3275013" cy="1930079"/>
           </a:xfrm>
         </p:spPr>
         <p:txBody>
           <a:bodyPr>
-            <a:noAutofit/>
+            <a:normAutofit/>
           </a:bodyPr>
           <a:lstStyle/>
           <a:p>
             <a:r>
               <a:rPr lang="en-GB" dirty="0"/>
-              <a:t>The final model picked was the Random forest model 1 which had the highest metrics of :</a:t>
-            </a:r>
-          </a:p>
-          <a:p>
-            <a:pPr lvl="1"/>
+              <a:t>True positive : 87</a:t>
+            </a:r>
+          </a:p>
+          <a:p>
             <a:r>
               <a:rPr lang="en-GB" dirty="0"/>
-              <a:t>Classification Accuracy : 93%</a:t>
-            </a:r>
-          </a:p>
-          <a:p>
-            <a:pPr lvl="1"/>
+              <a:t>True Negative : 551</a:t>
+            </a:r>
+          </a:p>
+          <a:p>
             <a:r>
               <a:rPr lang="en-GB" dirty="0"/>
-              <a:t>Classification recall : 73%</a:t>
-            </a:r>
-          </a:p>
-          <a:p>
-            <a:pPr lvl="1"/>
+              <a:t>False Positive : 162</a:t>
+            </a:r>
+          </a:p>
+          <a:p>
             <a:r>
               <a:rPr lang="en-GB" dirty="0"/>
-              <a:t>Classification F1 score : 74%</a:t>
-            </a:r>
-          </a:p>
-          <a:p>
-            <a:pPr lvl="1"/>
-            <a:r>
-              <a:rPr lang="en-GB" dirty="0"/>
-              <a:t>Classification precision : 75%</a:t>
-            </a:r>
-          </a:p>
-          <a:p>
-            <a:r>
-              <a:rPr lang="en-GB" dirty="0"/>
-              <a:t>This model had a very high classification accuracy of 93% and also it had a balance in the other evaluating metrics above 70% for recall , F1 score and precision</a:t>
-            </a:r>
+              <a:t>False Negative : 34</a:t>
+            </a:r>
+            <a:endParaRPr lang="en-KE" dirty="0"/>
           </a:p>
         </p:txBody>
       </p:sp>
     </p:spTree>
     <p:extLst>
       <p:ext uri="{BB962C8B-B14F-4D97-AF65-F5344CB8AC3E}">
-        <p14:creationId xmlns:p14="http://schemas.microsoft.com/office/powerpoint/2010/main" val="2127381696"/>
+        <p14:creationId xmlns:p14="http://schemas.microsoft.com/office/powerpoint/2010/main" val="2974335755"/>
+      </p:ext>
+    </p:extLst>
+  </p:cSld>
+  <p:clrMapOvr>
+    <a:masterClrMapping/>
+  </p:clrMapOvr>
+</p:sld>
+</file>
+
+<file path=ppt/slides/slide9.xml><?xml version="1.0" encoding="utf-8"?>
+<p:sld xmlns:a="http://schemas.openxmlformats.org/drawingml/2006/main" xmlns:r="http://schemas.openxmlformats.org/officeDocument/2006/relationships" xmlns:p="http://schemas.openxmlformats.org/presentationml/2006/main">
+  <p:cSld>
+    <p:bg>
+      <p:bgPr>
+        <a:blipFill>
+          <a:blip r:embed="rId2"/>
+          <a:tile tx="0" ty="0" sx="100000" sy="100000" flip="none" algn="tl"/>
+        </a:blipFill>
+        <a:effectLst/>
+      </p:bgPr>
+    </p:bg>
+    <p:spTree>
+      <p:nvGrpSpPr>
+        <p:cNvPr id="1" name=""/>
+        <p:cNvGrpSpPr/>
+        <p:nvPr/>
+      </p:nvGrpSpPr>
+      <p:grpSpPr>
+        <a:xfrm>
+          <a:off x="0" y="0"/>
+          <a:ext cx="0" cy="0"/>
+          <a:chOff x="0" y="0"/>
+          <a:chExt cx="0" cy="0"/>
+        </a:xfrm>
+      </p:grpSpPr>
+      <p:sp>
+        <p:nvSpPr>
+          <p:cNvPr id="2" name="Title 1">
+            <a:extLst>
+              <a:ext uri="{FF2B5EF4-FFF2-40B4-BE49-F238E27FC236}">
+                <a16:creationId xmlns:a16="http://schemas.microsoft.com/office/drawing/2014/main" id="{6117C03C-0108-23E7-2751-EB4D8D9D9D68}"/>
+              </a:ext>
+            </a:extLst>
+          </p:cNvPr>
+          <p:cNvSpPr>
+            <a:spLocks noGrp="1"/>
+          </p:cNvSpPr>
+          <p:nvPr>
+            <p:ph type="title"/>
+          </p:nvPr>
+        </p:nvSpPr>
+        <p:spPr>
+          <a:xfrm>
+            <a:off x="1016995" y="897883"/>
+            <a:ext cx="6086737" cy="424809"/>
+          </a:xfrm>
+        </p:spPr>
+        <p:txBody>
+          <a:bodyPr>
+            <a:normAutofit fontScale="90000"/>
+          </a:bodyPr>
+          <a:lstStyle/>
+          <a:p>
+            <a:r>
+              <a:rPr lang="en-KE" b="1" dirty="0"/>
+              <a:t>Best Decision tree model confusion matrix</a:t>
+            </a:r>
+          </a:p>
+        </p:txBody>
+      </p:sp>
+      <p:pic>
+        <p:nvPicPr>
+          <p:cNvPr id="5" name="Content Placeholder 4">
+            <a:extLst>
+              <a:ext uri="{FF2B5EF4-FFF2-40B4-BE49-F238E27FC236}">
+                <a16:creationId xmlns:a16="http://schemas.microsoft.com/office/drawing/2014/main" id="{AD6D84BD-74AA-440C-191A-1029D7882878}"/>
+              </a:ext>
+            </a:extLst>
+          </p:cNvPr>
+          <p:cNvPicPr>
+            <a:picLocks noGrp="1" noChangeAspect="1"/>
+          </p:cNvPicPr>
+          <p:nvPr>
+            <p:ph idx="1"/>
+          </p:nvPr>
+        </p:nvPicPr>
+        <p:blipFill>
+          <a:blip r:embed="rId3"/>
+          <a:stretch/>
+        </p:blipFill>
+        <p:spPr>
+          <a:xfrm>
+            <a:off x="1317164" y="1539433"/>
+            <a:ext cx="5893864" cy="4185203"/>
+          </a:xfrm>
+        </p:spPr>
+      </p:pic>
+      <p:sp>
+        <p:nvSpPr>
+          <p:cNvPr id="6" name="Text Placeholder 5">
+            <a:extLst>
+              <a:ext uri="{FF2B5EF4-FFF2-40B4-BE49-F238E27FC236}">
+                <a16:creationId xmlns:a16="http://schemas.microsoft.com/office/drawing/2014/main" id="{5F344002-9347-1196-4E47-18546B3EF967}"/>
+              </a:ext>
+            </a:extLst>
+          </p:cNvPr>
+          <p:cNvSpPr>
+            <a:spLocks noGrp="1"/>
+          </p:cNvSpPr>
+          <p:nvPr>
+            <p:ph type="body" sz="half" idx="2"/>
+          </p:nvPr>
+        </p:nvSpPr>
+        <p:spPr>
+          <a:xfrm>
+            <a:off x="7599823" y="3842794"/>
+            <a:ext cx="3275013" cy="1761347"/>
+          </a:xfrm>
+        </p:spPr>
+        <p:txBody>
+          <a:bodyPr>
+            <a:normAutofit/>
+          </a:bodyPr>
+          <a:lstStyle/>
+          <a:p>
+            <a:r>
+              <a:rPr lang="en-GB" dirty="0"/>
+              <a:t>True positive : 90</a:t>
+            </a:r>
+          </a:p>
+          <a:p>
+            <a:r>
+              <a:rPr lang="en-GB" dirty="0"/>
+              <a:t>True Negative : 635</a:t>
+            </a:r>
+          </a:p>
+          <a:p>
+            <a:r>
+              <a:rPr lang="en-GB" dirty="0"/>
+              <a:t>False Positive : 78</a:t>
+            </a:r>
+          </a:p>
+          <a:p>
+            <a:r>
+              <a:rPr lang="en-GB" dirty="0"/>
+              <a:t>False Negative : 31</a:t>
+            </a:r>
+            <a:endParaRPr lang="en-KE" dirty="0"/>
+          </a:p>
+        </p:txBody>
+      </p:sp>
+    </p:spTree>
+    <p:extLst>
+      <p:ext uri="{BB962C8B-B14F-4D97-AF65-F5344CB8AC3E}">
+        <p14:creationId xmlns:p14="http://schemas.microsoft.com/office/powerpoint/2010/main" val="2775402535"/>
       </p:ext>
     </p:extLst>
   </p:cSld>
